--- a/JCAPS_63.pptx
+++ b/JCAPS_63.pptx
@@ -44,6 +44,13 @@
     <p:sldId id="269" r:id="rId38"/>
     <p:sldId id="270" r:id="rId39"/>
     <p:sldId id="271" r:id="rId40"/>
+    <p:sldId id="295" r:id="rId41"/>
+    <p:sldId id="296" r:id="rId42"/>
+    <p:sldId id="297" r:id="rId43"/>
+    <p:sldId id="298" r:id="rId44"/>
+    <p:sldId id="299" r:id="rId45"/>
+    <p:sldId id="301" r:id="rId46"/>
+    <p:sldId id="300" r:id="rId47"/>
   </p:sldIdLst>
   <p:sldSz cx="12192000" cy="6858000"/>
   <p:notesSz cx="6858000" cy="9144000"/>
@@ -142,6 +149,11 @@
       </a:defRPr>
     </a:lvl9pPr>
   </p:defaultTextStyle>
+  <p:extLst>
+    <p:ext uri="{EFAFB233-063F-42B5-8137-9DF3F51BA10A}">
+      <p15:sldGuideLst xmlns:p15="http://schemas.microsoft.com/office/powerpoint/2012/main"/>
+    </p:ext>
+  </p:extLst>
 </p:presentation>
 </file>
 
@@ -276,7 +288,7 @@
           <a:p>
             <a:fld id="{C2401AAE-4EC5-4487-82BC-6A337FC79FA8}" type="datetimeFigureOut">
               <a:rPr lang="en-IN" smtClean="0"/>
-              <a:t>16-08-2016</a:t>
+              <a:t>17-08-2016</a:t>
             </a:fld>
             <a:endParaRPr lang="en-IN"/>
           </a:p>
@@ -446,7 +458,7 @@
           <a:p>
             <a:fld id="{C2401AAE-4EC5-4487-82BC-6A337FC79FA8}" type="datetimeFigureOut">
               <a:rPr lang="en-IN" smtClean="0"/>
-              <a:t>16-08-2016</a:t>
+              <a:t>17-08-2016</a:t>
             </a:fld>
             <a:endParaRPr lang="en-IN"/>
           </a:p>
@@ -626,7 +638,7 @@
           <a:p>
             <a:fld id="{C2401AAE-4EC5-4487-82BC-6A337FC79FA8}" type="datetimeFigureOut">
               <a:rPr lang="en-IN" smtClean="0"/>
-              <a:t>16-08-2016</a:t>
+              <a:t>17-08-2016</a:t>
             </a:fld>
             <a:endParaRPr lang="en-IN"/>
           </a:p>
@@ -796,7 +808,7 @@
           <a:p>
             <a:fld id="{C2401AAE-4EC5-4487-82BC-6A337FC79FA8}" type="datetimeFigureOut">
               <a:rPr lang="en-IN" smtClean="0"/>
-              <a:t>16-08-2016</a:t>
+              <a:t>17-08-2016</a:t>
             </a:fld>
             <a:endParaRPr lang="en-IN"/>
           </a:p>
@@ -1042,7 +1054,7 @@
           <a:p>
             <a:fld id="{C2401AAE-4EC5-4487-82BC-6A337FC79FA8}" type="datetimeFigureOut">
               <a:rPr lang="en-IN" smtClean="0"/>
-              <a:t>16-08-2016</a:t>
+              <a:t>17-08-2016</a:t>
             </a:fld>
             <a:endParaRPr lang="en-IN"/>
           </a:p>
@@ -1274,7 +1286,7 @@
           <a:p>
             <a:fld id="{C2401AAE-4EC5-4487-82BC-6A337FC79FA8}" type="datetimeFigureOut">
               <a:rPr lang="en-IN" smtClean="0"/>
-              <a:t>16-08-2016</a:t>
+              <a:t>17-08-2016</a:t>
             </a:fld>
             <a:endParaRPr lang="en-IN"/>
           </a:p>
@@ -1641,7 +1653,7 @@
           <a:p>
             <a:fld id="{C2401AAE-4EC5-4487-82BC-6A337FC79FA8}" type="datetimeFigureOut">
               <a:rPr lang="en-IN" smtClean="0"/>
-              <a:t>16-08-2016</a:t>
+              <a:t>17-08-2016</a:t>
             </a:fld>
             <a:endParaRPr lang="en-IN"/>
           </a:p>
@@ -1759,7 +1771,7 @@
           <a:p>
             <a:fld id="{C2401AAE-4EC5-4487-82BC-6A337FC79FA8}" type="datetimeFigureOut">
               <a:rPr lang="en-IN" smtClean="0"/>
-              <a:t>16-08-2016</a:t>
+              <a:t>17-08-2016</a:t>
             </a:fld>
             <a:endParaRPr lang="en-IN"/>
           </a:p>
@@ -1854,7 +1866,7 @@
           <a:p>
             <a:fld id="{C2401AAE-4EC5-4487-82BC-6A337FC79FA8}" type="datetimeFigureOut">
               <a:rPr lang="en-IN" smtClean="0"/>
-              <a:t>16-08-2016</a:t>
+              <a:t>17-08-2016</a:t>
             </a:fld>
             <a:endParaRPr lang="en-IN"/>
           </a:p>
@@ -2131,7 +2143,7 @@
           <a:p>
             <a:fld id="{C2401AAE-4EC5-4487-82BC-6A337FC79FA8}" type="datetimeFigureOut">
               <a:rPr lang="en-IN" smtClean="0"/>
-              <a:t>16-08-2016</a:t>
+              <a:t>17-08-2016</a:t>
             </a:fld>
             <a:endParaRPr lang="en-IN"/>
           </a:p>
@@ -2384,7 +2396,7 @@
           <a:p>
             <a:fld id="{C2401AAE-4EC5-4487-82BC-6A337FC79FA8}" type="datetimeFigureOut">
               <a:rPr lang="en-IN" smtClean="0"/>
-              <a:t>16-08-2016</a:t>
+              <a:t>17-08-2016</a:t>
             </a:fld>
             <a:endParaRPr lang="en-IN"/>
           </a:p>
@@ -2597,7 +2609,7 @@
           <a:p>
             <a:fld id="{C2401AAE-4EC5-4487-82BC-6A337FC79FA8}" type="datetimeFigureOut">
               <a:rPr lang="en-IN" smtClean="0"/>
-              <a:t>16-08-2016</a:t>
+              <a:t>17-08-2016</a:t>
             </a:fld>
             <a:endParaRPr lang="en-IN"/>
           </a:p>
@@ -4372,6 +4384,129 @@
           </a:p>
         </p:txBody>
       </p:sp>
+      <p:pic>
+        <p:nvPicPr>
+          <p:cNvPr id="3073" name="Picture 1" descr="Arrow"/>
+          <p:cNvPicPr>
+            <a:picLocks noChangeAspect="1" noChangeArrowheads="1"/>
+          </p:cNvPicPr>
+          <p:nvPr/>
+        </p:nvPicPr>
+        <p:blipFill>
+          <a:blip r:embed="rId2">
+            <a:extLst>
+              <a:ext uri="{28A0092B-C50C-407E-A947-70E740481C1C}">
+                <a14:useLocalDpi xmlns:a14="http://schemas.microsoft.com/office/drawing/2010/main" val="0"/>
+              </a:ext>
+            </a:extLst>
+          </a:blip>
+          <a:srcRect/>
+          <a:stretch>
+            <a:fillRect/>
+          </a:stretch>
+        </p:blipFill>
+        <p:spPr bwMode="auto">
+          <a:xfrm>
+            <a:off x="0" y="0"/>
+            <a:ext cx="38100" cy="38100"/>
+          </a:xfrm>
+          <a:prstGeom prst="rect">
+            <a:avLst/>
+          </a:prstGeom>
+          <a:noFill/>
+          <a:extLst>
+            <a:ext uri="{909E8E84-426E-40DD-AFC4-6F175D3DCCD1}">
+              <a14:hiddenFill xmlns:a14="http://schemas.microsoft.com/office/drawing/2010/main">
+                <a:solidFill>
+                  <a:srgbClr val="FFFFFF"/>
+                </a:solidFill>
+              </a14:hiddenFill>
+            </a:ext>
+          </a:extLst>
+        </p:spPr>
+      </p:pic>
+      <p:pic>
+        <p:nvPicPr>
+          <p:cNvPr id="3074" name="Picture 2" descr="Arrow"/>
+          <p:cNvPicPr>
+            <a:picLocks noChangeAspect="1" noChangeArrowheads="1"/>
+          </p:cNvPicPr>
+          <p:nvPr/>
+        </p:nvPicPr>
+        <p:blipFill>
+          <a:blip r:embed="rId3">
+            <a:extLst>
+              <a:ext uri="{28A0092B-C50C-407E-A947-70E740481C1C}">
+                <a14:useLocalDpi xmlns:a14="http://schemas.microsoft.com/office/drawing/2010/main" val="0"/>
+              </a:ext>
+            </a:extLst>
+          </a:blip>
+          <a:srcRect/>
+          <a:stretch>
+            <a:fillRect/>
+          </a:stretch>
+        </p:blipFill>
+        <p:spPr bwMode="auto">
+          <a:xfrm>
+            <a:off x="0" y="0"/>
+            <a:ext cx="38100" cy="104775"/>
+          </a:xfrm>
+          <a:prstGeom prst="rect">
+            <a:avLst/>
+          </a:prstGeom>
+          <a:noFill/>
+          <a:extLst>
+            <a:ext uri="{909E8E84-426E-40DD-AFC4-6F175D3DCCD1}">
+              <a14:hiddenFill xmlns:a14="http://schemas.microsoft.com/office/drawing/2010/main">
+                <a:solidFill>
+                  <a:srgbClr val="FFFFFF"/>
+                </a:solidFill>
+              </a14:hiddenFill>
+            </a:ext>
+          </a:extLst>
+        </p:spPr>
+      </p:pic>
+      <p:pic>
+        <p:nvPicPr>
+          <p:cNvPr id="3075" name="Picture 3" descr="Arrow"/>
+          <p:cNvPicPr>
+            <a:picLocks noChangeAspect="1" noChangeArrowheads="1"/>
+          </p:cNvPicPr>
+          <p:nvPr/>
+        </p:nvPicPr>
+        <p:blipFill>
+          <a:blip r:embed="rId3">
+            <a:extLst>
+              <a:ext uri="{28A0092B-C50C-407E-A947-70E740481C1C}">
+                <a14:useLocalDpi xmlns:a14="http://schemas.microsoft.com/office/drawing/2010/main" val="0"/>
+              </a:ext>
+            </a:extLst>
+          </a:blip>
+          <a:srcRect/>
+          <a:stretch>
+            <a:fillRect/>
+          </a:stretch>
+        </p:blipFill>
+        <p:spPr bwMode="auto">
+          <a:xfrm>
+            <a:off x="0" y="0"/>
+            <a:ext cx="38100" cy="104775"/>
+          </a:xfrm>
+          <a:prstGeom prst="rect">
+            <a:avLst/>
+          </a:prstGeom>
+          <a:noFill/>
+          <a:extLst>
+            <a:ext uri="{909E8E84-426E-40DD-AFC4-6F175D3DCCD1}">
+              <a14:hiddenFill xmlns:a14="http://schemas.microsoft.com/office/drawing/2010/main">
+                <a:solidFill>
+                  <a:srgbClr val="FFFFFF"/>
+                </a:solidFill>
+              </a14:hiddenFill>
+            </a:ext>
+          </a:extLst>
+        </p:spPr>
+      </p:pic>
     </p:spTree>
     <p:extLst>
       <p:ext uri="{BB962C8B-B14F-4D97-AF65-F5344CB8AC3E}">
@@ -6341,7 +6476,6 @@
               <a:rPr lang="en-IN" dirty="0" smtClean="0"/>
               <a:t>Java CAPS 6 provides interoperability between Java EE and JBI components via JBI bridge.</a:t>
             </a:r>
-            <a:endParaRPr lang="en-IN" dirty="0" smtClean="0"/>
           </a:p>
         </p:txBody>
       </p:sp>
@@ -6468,7 +6602,6 @@
               <a:rPr lang="en-IN" dirty="0" smtClean="0"/>
               <a:t>Java CAPS 6 also provides supports for sub Java collaboration.</a:t>
             </a:r>
-            <a:endParaRPr lang="en-IN" dirty="0" smtClean="0"/>
           </a:p>
         </p:txBody>
       </p:sp>
@@ -6553,6 +6686,971 @@
     <p:extLst>
       <p:ext uri="{BB962C8B-B14F-4D97-AF65-F5344CB8AC3E}">
         <p14:creationId xmlns:p14="http://schemas.microsoft.com/office/powerpoint/2010/main" val="4130036965"/>
+      </p:ext>
+    </p:extLst>
+  </p:cSld>
+  <p:clrMapOvr>
+    <a:masterClrMapping/>
+  </p:clrMapOvr>
+</p:sld>
+</file>
+
+<file path=ppt/slides/slide40.xml><?xml version="1.0" encoding="utf-8"?>
+<p:sld xmlns:a="http://schemas.openxmlformats.org/drawingml/2006/main" xmlns:r="http://schemas.openxmlformats.org/officeDocument/2006/relationships" xmlns:p="http://schemas.openxmlformats.org/presentationml/2006/main">
+  <p:cSld>
+    <p:spTree>
+      <p:nvGrpSpPr>
+        <p:cNvPr id="1" name=""/>
+        <p:cNvGrpSpPr/>
+        <p:nvPr/>
+      </p:nvGrpSpPr>
+      <p:grpSpPr>
+        <a:xfrm>
+          <a:off x="0" y="0"/>
+          <a:ext cx="0" cy="0"/>
+          <a:chOff x="0" y="0"/>
+          <a:chExt cx="0" cy="0"/>
+        </a:xfrm>
+      </p:grpSpPr>
+      <p:sp>
+        <p:nvSpPr>
+          <p:cNvPr id="2" name="Title 1"/>
+          <p:cNvSpPr>
+            <a:spLocks noGrp="1"/>
+          </p:cNvSpPr>
+          <p:nvPr>
+            <p:ph type="title"/>
+          </p:nvPr>
+        </p:nvSpPr>
+        <p:spPr>
+          <a:xfrm>
+            <a:off x="892791" y="0"/>
+            <a:ext cx="10515600" cy="764275"/>
+          </a:xfrm>
+        </p:spPr>
+        <p:txBody>
+          <a:bodyPr/>
+          <a:lstStyle/>
+          <a:p>
+            <a:r>
+              <a:rPr lang="en-IN" dirty="0" smtClean="0"/>
+              <a:t>Data Integrator Architecture</a:t>
+            </a:r>
+            <a:endParaRPr lang="en-IN" dirty="0"/>
+          </a:p>
+        </p:txBody>
+      </p:sp>
+      <p:pic>
+        <p:nvPicPr>
+          <p:cNvPr id="4" name="Picture 3"/>
+          <p:cNvPicPr>
+            <a:picLocks noChangeAspect="1"/>
+          </p:cNvPicPr>
+          <p:nvPr/>
+        </p:nvPicPr>
+        <p:blipFill>
+          <a:blip r:embed="rId2">
+            <a:extLst>
+              <a:ext uri="{28A0092B-C50C-407E-A947-70E740481C1C}">
+                <a14:useLocalDpi xmlns:a14="http://schemas.microsoft.com/office/drawing/2010/main" val="0"/>
+              </a:ext>
+            </a:extLst>
+          </a:blip>
+          <a:stretch>
+            <a:fillRect/>
+          </a:stretch>
+        </p:blipFill>
+        <p:spPr>
+          <a:xfrm>
+            <a:off x="122830" y="764274"/>
+            <a:ext cx="11709779" cy="6093725"/>
+          </a:xfrm>
+          <a:prstGeom prst="rect">
+            <a:avLst/>
+          </a:prstGeom>
+        </p:spPr>
+      </p:pic>
+    </p:spTree>
+    <p:extLst>
+      <p:ext uri="{BB962C8B-B14F-4D97-AF65-F5344CB8AC3E}">
+        <p14:creationId xmlns:p14="http://schemas.microsoft.com/office/powerpoint/2010/main" val="896913844"/>
+      </p:ext>
+    </p:extLst>
+  </p:cSld>
+  <p:clrMapOvr>
+    <a:masterClrMapping/>
+  </p:clrMapOvr>
+</p:sld>
+</file>
+
+<file path=ppt/slides/slide41.xml><?xml version="1.0" encoding="utf-8"?>
+<p:sld xmlns:a="http://schemas.openxmlformats.org/drawingml/2006/main" xmlns:r="http://schemas.openxmlformats.org/officeDocument/2006/relationships" xmlns:p="http://schemas.openxmlformats.org/presentationml/2006/main">
+  <p:cSld>
+    <p:spTree>
+      <p:nvGrpSpPr>
+        <p:cNvPr id="1" name=""/>
+        <p:cNvGrpSpPr/>
+        <p:nvPr/>
+      </p:nvGrpSpPr>
+      <p:grpSpPr>
+        <a:xfrm>
+          <a:off x="0" y="0"/>
+          <a:ext cx="0" cy="0"/>
+          <a:chOff x="0" y="0"/>
+          <a:chExt cx="0" cy="0"/>
+        </a:xfrm>
+      </p:grpSpPr>
+      <p:sp>
+        <p:nvSpPr>
+          <p:cNvPr id="2" name="Title 1"/>
+          <p:cNvSpPr>
+            <a:spLocks noGrp="1"/>
+          </p:cNvSpPr>
+          <p:nvPr>
+            <p:ph type="title"/>
+          </p:nvPr>
+        </p:nvSpPr>
+        <p:spPr/>
+        <p:txBody>
+          <a:bodyPr/>
+          <a:lstStyle/>
+          <a:p>
+            <a:r>
+              <a:rPr lang="en-IN" dirty="0" smtClean="0"/>
+              <a:t>Database Binding Steps</a:t>
+            </a:r>
+            <a:endParaRPr lang="en-IN" dirty="0"/>
+          </a:p>
+        </p:txBody>
+      </p:sp>
+      <p:sp>
+        <p:nvSpPr>
+          <p:cNvPr id="3" name="Content Placeholder 2"/>
+          <p:cNvSpPr>
+            <a:spLocks noGrp="1"/>
+          </p:cNvSpPr>
+          <p:nvPr>
+            <p:ph idx="1"/>
+          </p:nvPr>
+        </p:nvSpPr>
+        <p:spPr/>
+        <p:txBody>
+          <a:bodyPr>
+            <a:normAutofit fontScale="92500" lnSpcReduction="20000"/>
+          </a:bodyPr>
+          <a:lstStyle/>
+          <a:p>
+            <a:r>
+              <a:rPr lang="en-IN" dirty="0">
+                <a:hlinkClick r:id="rId2"/>
+              </a:rPr>
+              <a:t>To Start the </a:t>
+            </a:r>
+            <a:r>
+              <a:rPr lang="en-IN" dirty="0" err="1">
+                <a:hlinkClick r:id="rId2"/>
+              </a:rPr>
+              <a:t>GlassFish</a:t>
+            </a:r>
+            <a:r>
+              <a:rPr lang="en-IN" dirty="0">
+                <a:hlinkClick r:id="rId2"/>
+              </a:rPr>
+              <a:t> V2 Application Server From NetBeans IDE</a:t>
+            </a:r>
+            <a:r>
+              <a:rPr lang="en-IN" dirty="0"/>
+              <a:t>.</a:t>
+            </a:r>
+          </a:p>
+          <a:p>
+            <a:r>
+              <a:rPr lang="en-IN" dirty="0">
+                <a:hlinkClick r:id="rId3"/>
+              </a:rPr>
+              <a:t>To Create a BPEL Module Project</a:t>
+            </a:r>
+            <a:r>
+              <a:rPr lang="en-IN" dirty="0"/>
+              <a:t>.</a:t>
+            </a:r>
+          </a:p>
+          <a:p>
+            <a:r>
+              <a:rPr lang="en-IN" dirty="0">
+                <a:hlinkClick r:id="rId4"/>
+              </a:rPr>
+              <a:t>To Connect to a MySQL Database</a:t>
+            </a:r>
+            <a:r>
+              <a:rPr lang="en-IN" dirty="0"/>
+              <a:t>.</a:t>
+            </a:r>
+          </a:p>
+          <a:p>
+            <a:r>
+              <a:rPr lang="en-IN" dirty="0">
+                <a:hlinkClick r:id="rId5"/>
+              </a:rPr>
+              <a:t>To Start the Admin Console</a:t>
+            </a:r>
+            <a:r>
+              <a:rPr lang="en-IN" dirty="0"/>
+              <a:t>.</a:t>
+            </a:r>
+          </a:p>
+          <a:p>
+            <a:r>
+              <a:rPr lang="en-IN" dirty="0">
+                <a:hlinkClick r:id="rId6"/>
+              </a:rPr>
+              <a:t>To Integrate a JDBC Driver</a:t>
+            </a:r>
+            <a:r>
+              <a:rPr lang="en-IN" dirty="0"/>
+              <a:t>.</a:t>
+            </a:r>
+          </a:p>
+          <a:p>
+            <a:r>
+              <a:rPr lang="en-IN" dirty="0">
+                <a:hlinkClick r:id="rId7"/>
+              </a:rPr>
+              <a:t>To Create a JDBC Connection Pool</a:t>
+            </a:r>
+            <a:r>
+              <a:rPr lang="en-IN" dirty="0"/>
+              <a:t>.</a:t>
+            </a:r>
+          </a:p>
+          <a:p>
+            <a:r>
+              <a:rPr lang="en-IN" dirty="0">
+                <a:hlinkClick r:id="rId8"/>
+              </a:rPr>
+              <a:t>To Create a JDBC Resource</a:t>
+            </a:r>
+            <a:r>
+              <a:rPr lang="en-IN" dirty="0"/>
+              <a:t>.</a:t>
+            </a:r>
+          </a:p>
+          <a:p>
+            <a:r>
+              <a:rPr lang="en-IN" dirty="0">
+                <a:hlinkClick r:id="rId9"/>
+              </a:rPr>
+              <a:t>To Create a WSDL Document : </a:t>
+            </a:r>
+            <a:r>
+              <a:rPr lang="en-IN" dirty="0" err="1">
+                <a:hlinkClick r:id="rId9"/>
+              </a:rPr>
+              <a:t>dbWSDL</a:t>
+            </a:r>
+            <a:r>
+              <a:rPr lang="en-IN" dirty="0"/>
+              <a:t>.</a:t>
+            </a:r>
+          </a:p>
+          <a:p>
+            <a:r>
+              <a:rPr lang="en-IN" dirty="0">
+                <a:hlinkClick r:id="rId10"/>
+              </a:rPr>
+              <a:t>To Select the Database Connection</a:t>
+            </a:r>
+            <a:r>
+              <a:rPr lang="en-IN" dirty="0"/>
+              <a:t>.</a:t>
+            </a:r>
+          </a:p>
+          <a:p>
+            <a:r>
+              <a:rPr lang="en-IN" dirty="0">
+                <a:hlinkClick r:id="rId11"/>
+              </a:rPr>
+              <a:t>To Edit the SQL Code</a:t>
+            </a:r>
+            <a:r>
+              <a:rPr lang="en-IN" dirty="0"/>
+              <a:t>.</a:t>
+            </a:r>
+          </a:p>
+          <a:p>
+            <a:endParaRPr lang="en-IN" dirty="0"/>
+          </a:p>
+        </p:txBody>
+      </p:sp>
+    </p:spTree>
+    <p:extLst>
+      <p:ext uri="{BB962C8B-B14F-4D97-AF65-F5344CB8AC3E}">
+        <p14:creationId xmlns:p14="http://schemas.microsoft.com/office/powerpoint/2010/main" val="3307670259"/>
+      </p:ext>
+    </p:extLst>
+  </p:cSld>
+  <p:clrMapOvr>
+    <a:masterClrMapping/>
+  </p:clrMapOvr>
+</p:sld>
+</file>
+
+<file path=ppt/slides/slide42.xml><?xml version="1.0" encoding="utf-8"?>
+<p:sld xmlns:a="http://schemas.openxmlformats.org/drawingml/2006/main" xmlns:r="http://schemas.openxmlformats.org/officeDocument/2006/relationships" xmlns:p="http://schemas.openxmlformats.org/presentationml/2006/main">
+  <p:cSld>
+    <p:spTree>
+      <p:nvGrpSpPr>
+        <p:cNvPr id="1" name=""/>
+        <p:cNvGrpSpPr/>
+        <p:nvPr/>
+      </p:nvGrpSpPr>
+      <p:grpSpPr>
+        <a:xfrm>
+          <a:off x="0" y="0"/>
+          <a:ext cx="0" cy="0"/>
+          <a:chOff x="0" y="0"/>
+          <a:chExt cx="0" cy="0"/>
+        </a:xfrm>
+      </p:grpSpPr>
+      <p:sp>
+        <p:nvSpPr>
+          <p:cNvPr id="2" name="Title 1"/>
+          <p:cNvSpPr>
+            <a:spLocks noGrp="1"/>
+          </p:cNvSpPr>
+          <p:nvPr>
+            <p:ph type="title"/>
+          </p:nvPr>
+        </p:nvSpPr>
+        <p:spPr>
+          <a:xfrm>
+            <a:off x="838200" y="0"/>
+            <a:ext cx="10515600" cy="508332"/>
+          </a:xfrm>
+        </p:spPr>
+        <p:txBody>
+          <a:bodyPr>
+            <a:normAutofit fontScale="90000"/>
+          </a:bodyPr>
+          <a:lstStyle/>
+          <a:p>
+            <a:r>
+              <a:rPr lang="en-IN" dirty="0" smtClean="0"/>
+              <a:t>Database Binding Steps</a:t>
+            </a:r>
+            <a:endParaRPr lang="en-IN" dirty="0"/>
+          </a:p>
+        </p:txBody>
+      </p:sp>
+      <p:sp>
+        <p:nvSpPr>
+          <p:cNvPr id="3" name="Content Placeholder 2"/>
+          <p:cNvSpPr>
+            <a:spLocks noGrp="1"/>
+          </p:cNvSpPr>
+          <p:nvPr>
+            <p:ph idx="1"/>
+          </p:nvPr>
+        </p:nvSpPr>
+        <p:spPr>
+          <a:xfrm>
+            <a:off x="838200" y="849526"/>
+            <a:ext cx="11076296" cy="5715047"/>
+          </a:xfrm>
+        </p:spPr>
+        <p:txBody>
+          <a:bodyPr>
+            <a:normAutofit fontScale="92500" lnSpcReduction="20000"/>
+          </a:bodyPr>
+          <a:lstStyle/>
+          <a:p>
+            <a:r>
+              <a:rPr lang="en-IN" dirty="0">
+                <a:hlinkClick r:id="rId2"/>
+              </a:rPr>
+              <a:t>To Create a WSDL Document : SOAPWSDL</a:t>
+            </a:r>
+            <a:r>
+              <a:rPr lang="en-IN" dirty="0"/>
+              <a:t>.</a:t>
+            </a:r>
+          </a:p>
+          <a:p>
+            <a:r>
+              <a:rPr lang="en-IN" dirty="0">
+                <a:hlinkClick r:id="rId3"/>
+              </a:rPr>
+              <a:t>To Create a BPEL Process</a:t>
+            </a:r>
+            <a:r>
+              <a:rPr lang="en-IN" dirty="0"/>
+              <a:t>.</a:t>
+            </a:r>
+          </a:p>
+          <a:p>
+            <a:r>
+              <a:rPr lang="en-IN" dirty="0">
+                <a:hlinkClick r:id="rId4"/>
+              </a:rPr>
+              <a:t>To Add a Partner Link</a:t>
+            </a:r>
+            <a:r>
+              <a:rPr lang="en-IN" dirty="0"/>
+              <a:t>.</a:t>
+            </a:r>
+          </a:p>
+          <a:p>
+            <a:r>
+              <a:rPr lang="en-IN" dirty="0">
+                <a:hlinkClick r:id="rId5"/>
+              </a:rPr>
+              <a:t>To Add a Web Service and Basic Activities</a:t>
+            </a:r>
+            <a:r>
+              <a:rPr lang="en-IN" dirty="0"/>
+              <a:t>.</a:t>
+            </a:r>
+          </a:p>
+          <a:p>
+            <a:r>
+              <a:rPr lang="en-IN" dirty="0">
+                <a:hlinkClick r:id="rId6"/>
+              </a:rPr>
+              <a:t>To Edit Web Service : Receive1</a:t>
+            </a:r>
+            <a:r>
+              <a:rPr lang="en-IN" dirty="0"/>
+              <a:t>.</a:t>
+            </a:r>
+          </a:p>
+          <a:p>
+            <a:r>
+              <a:rPr lang="en-IN" dirty="0">
+                <a:hlinkClick r:id="rId7"/>
+              </a:rPr>
+              <a:t>To Edit the Web Service : Invoke1</a:t>
+            </a:r>
+            <a:r>
+              <a:rPr lang="en-IN" dirty="0"/>
+              <a:t>.</a:t>
+            </a:r>
+          </a:p>
+          <a:p>
+            <a:r>
+              <a:rPr lang="en-IN" dirty="0">
+                <a:hlinkClick r:id="rId8"/>
+              </a:rPr>
+              <a:t>To Edit the Web Service : Reply1</a:t>
+            </a:r>
+            <a:r>
+              <a:rPr lang="en-IN" dirty="0"/>
+              <a:t>.</a:t>
+            </a:r>
+          </a:p>
+          <a:p>
+            <a:r>
+              <a:rPr lang="en-IN" dirty="0">
+                <a:hlinkClick r:id="rId9"/>
+              </a:rPr>
+              <a:t>To Edit the Basic Activities : Assign1</a:t>
+            </a:r>
+            <a:r>
+              <a:rPr lang="en-IN" dirty="0"/>
+              <a:t>.</a:t>
+            </a:r>
+          </a:p>
+          <a:p>
+            <a:r>
+              <a:rPr lang="en-IN" dirty="0">
+                <a:hlinkClick r:id="rId10"/>
+              </a:rPr>
+              <a:t>To Edit the Basic Activities : Assign2</a:t>
+            </a:r>
+            <a:r>
+              <a:rPr lang="en-IN" dirty="0"/>
+              <a:t>.</a:t>
+            </a:r>
+          </a:p>
+          <a:p>
+            <a:r>
+              <a:rPr lang="en-IN" dirty="0">
+                <a:hlinkClick r:id="rId11"/>
+              </a:rPr>
+              <a:t>To Invoke Explicit Validation</a:t>
+            </a:r>
+            <a:r>
+              <a:rPr lang="en-IN" dirty="0"/>
+              <a:t>.</a:t>
+            </a:r>
+          </a:p>
+          <a:p>
+            <a:r>
+              <a:rPr lang="en-IN" dirty="0">
+                <a:hlinkClick r:id="rId12"/>
+              </a:rPr>
+              <a:t>To Create the Composite Application Project</a:t>
+            </a:r>
+            <a:r>
+              <a:rPr lang="en-IN" dirty="0"/>
+              <a:t>.</a:t>
+            </a:r>
+          </a:p>
+          <a:p>
+            <a:r>
+              <a:rPr lang="en-IN" dirty="0">
+                <a:hlinkClick r:id="rId13"/>
+              </a:rPr>
+              <a:t>To Deploy the Composite Application</a:t>
+            </a:r>
+            <a:r>
+              <a:rPr lang="en-IN" dirty="0"/>
+              <a:t>.</a:t>
+            </a:r>
+          </a:p>
+          <a:p>
+            <a:r>
+              <a:rPr lang="en-IN" dirty="0">
+                <a:hlinkClick r:id="rId14"/>
+              </a:rPr>
+              <a:t>To Test the Composite Application</a:t>
+            </a:r>
+            <a:r>
+              <a:rPr lang="en-IN" dirty="0"/>
+              <a:t>.</a:t>
+            </a:r>
+          </a:p>
+          <a:p>
+            <a:r>
+              <a:rPr lang="en-IN" dirty="0">
+                <a:hlinkClick r:id="rId15"/>
+              </a:rPr>
+              <a:t>To Debug the Test Case</a:t>
+            </a:r>
+            <a:r>
+              <a:rPr lang="en-IN" dirty="0"/>
+              <a:t>.</a:t>
+            </a:r>
+          </a:p>
+        </p:txBody>
+      </p:sp>
+    </p:spTree>
+    <p:extLst>
+      <p:ext uri="{BB962C8B-B14F-4D97-AF65-F5344CB8AC3E}">
+        <p14:creationId xmlns:p14="http://schemas.microsoft.com/office/powerpoint/2010/main" val="1882015655"/>
+      </p:ext>
+    </p:extLst>
+  </p:cSld>
+  <p:clrMapOvr>
+    <a:masterClrMapping/>
+  </p:clrMapOvr>
+</p:sld>
+</file>
+
+<file path=ppt/slides/slide43.xml><?xml version="1.0" encoding="utf-8"?>
+<p:sld xmlns:a="http://schemas.openxmlformats.org/drawingml/2006/main" xmlns:r="http://schemas.openxmlformats.org/officeDocument/2006/relationships" xmlns:p="http://schemas.openxmlformats.org/presentationml/2006/main">
+  <p:cSld>
+    <p:spTree>
+      <p:nvGrpSpPr>
+        <p:cNvPr id="1" name=""/>
+        <p:cNvGrpSpPr/>
+        <p:nvPr/>
+      </p:nvGrpSpPr>
+      <p:grpSpPr>
+        <a:xfrm>
+          <a:off x="0" y="0"/>
+          <a:ext cx="0" cy="0"/>
+          <a:chOff x="0" y="0"/>
+          <a:chExt cx="0" cy="0"/>
+        </a:xfrm>
+      </p:grpSpPr>
+      <p:sp>
+        <p:nvSpPr>
+          <p:cNvPr id="2" name="Title 1"/>
+          <p:cNvSpPr>
+            <a:spLocks noGrp="1"/>
+          </p:cNvSpPr>
+          <p:nvPr>
+            <p:ph type="title"/>
+          </p:nvPr>
+        </p:nvSpPr>
+        <p:spPr/>
+        <p:txBody>
+          <a:bodyPr/>
+          <a:lstStyle/>
+          <a:p>
+            <a:r>
+              <a:rPr lang="en-IN" b="1" dirty="0"/>
+              <a:t>XSLT Designer: Simple Transformation </a:t>
+            </a:r>
+            <a:endParaRPr lang="en-IN" dirty="0"/>
+          </a:p>
+        </p:txBody>
+      </p:sp>
+      <p:sp>
+        <p:nvSpPr>
+          <p:cNvPr id="3" name="Content Placeholder 2"/>
+          <p:cNvSpPr>
+            <a:spLocks noGrp="1"/>
+          </p:cNvSpPr>
+          <p:nvPr>
+            <p:ph idx="1"/>
+          </p:nvPr>
+        </p:nvSpPr>
+        <p:spPr/>
+        <p:txBody>
+          <a:bodyPr/>
+          <a:lstStyle/>
+          <a:p>
+            <a:r>
+              <a:rPr lang="en-IN" dirty="0">
+                <a:hlinkClick r:id="rId2"/>
+              </a:rPr>
+              <a:t>Creating the XSLT Module Project</a:t>
+            </a:r>
+            <a:endParaRPr lang="en-IN" dirty="0"/>
+          </a:p>
+          <a:p>
+            <a:r>
+              <a:rPr lang="en-IN" dirty="0">
+                <a:hlinkClick r:id="rId3"/>
+              </a:rPr>
+              <a:t>Creating XML Schemas</a:t>
+            </a:r>
+            <a:endParaRPr lang="en-IN" dirty="0"/>
+          </a:p>
+          <a:p>
+            <a:r>
+              <a:rPr lang="en-IN" dirty="0">
+                <a:hlinkClick r:id="rId4"/>
+              </a:rPr>
+              <a:t>Creating a WSDL File</a:t>
+            </a:r>
+            <a:endParaRPr lang="en-IN" dirty="0"/>
+          </a:p>
+          <a:p>
+            <a:r>
+              <a:rPr lang="en-IN" dirty="0">
+                <a:hlinkClick r:id="rId5"/>
+              </a:rPr>
+              <a:t>Creating and Deploying the Composite Application</a:t>
+            </a:r>
+            <a:endParaRPr lang="en-IN" dirty="0"/>
+          </a:p>
+          <a:p>
+            <a:r>
+              <a:rPr lang="en-IN" dirty="0">
+                <a:hlinkClick r:id="rId6"/>
+              </a:rPr>
+              <a:t>Performing a Test Run of the XSL Transformation Service</a:t>
+            </a:r>
+            <a:endParaRPr lang="en-IN" dirty="0"/>
+          </a:p>
+          <a:p>
+            <a:endParaRPr lang="en-IN" dirty="0"/>
+          </a:p>
+        </p:txBody>
+      </p:sp>
+    </p:spTree>
+    <p:extLst>
+      <p:ext uri="{BB962C8B-B14F-4D97-AF65-F5344CB8AC3E}">
+        <p14:creationId xmlns:p14="http://schemas.microsoft.com/office/powerpoint/2010/main" val="828357416"/>
+      </p:ext>
+    </p:extLst>
+  </p:cSld>
+  <p:clrMapOvr>
+    <a:masterClrMapping/>
+  </p:clrMapOvr>
+</p:sld>
+</file>
+
+<file path=ppt/slides/slide44.xml><?xml version="1.0" encoding="utf-8"?>
+<p:sld xmlns:a="http://schemas.openxmlformats.org/drawingml/2006/main" xmlns:r="http://schemas.openxmlformats.org/officeDocument/2006/relationships" xmlns:p="http://schemas.openxmlformats.org/presentationml/2006/main">
+  <p:cSld>
+    <p:spTree>
+      <p:nvGrpSpPr>
+        <p:cNvPr id="1" name=""/>
+        <p:cNvGrpSpPr/>
+        <p:nvPr/>
+      </p:nvGrpSpPr>
+      <p:grpSpPr>
+        <a:xfrm>
+          <a:off x="0" y="0"/>
+          <a:ext cx="0" cy="0"/>
+          <a:chOff x="0" y="0"/>
+          <a:chExt cx="0" cy="0"/>
+        </a:xfrm>
+      </p:grpSpPr>
+      <p:sp>
+        <p:nvSpPr>
+          <p:cNvPr id="2" name="Title 1"/>
+          <p:cNvSpPr>
+            <a:spLocks noGrp="1"/>
+          </p:cNvSpPr>
+          <p:nvPr>
+            <p:ph type="title"/>
+          </p:nvPr>
+        </p:nvSpPr>
+        <p:spPr/>
+        <p:txBody>
+          <a:bodyPr/>
+          <a:lstStyle/>
+          <a:p>
+            <a:r>
+              <a:rPr lang="en-IN" dirty="0">
+                <a:hlinkClick r:id="rId2"/>
+              </a:rPr>
+              <a:t>Oracle Java CAPS File Binding Component </a:t>
+            </a:r>
+            <a:endParaRPr lang="en-IN" dirty="0"/>
+          </a:p>
+        </p:txBody>
+      </p:sp>
+      <p:sp>
+        <p:nvSpPr>
+          <p:cNvPr id="3" name="Content Placeholder 2"/>
+          <p:cNvSpPr>
+            <a:spLocks noGrp="1"/>
+          </p:cNvSpPr>
+          <p:nvPr>
+            <p:ph idx="1"/>
+          </p:nvPr>
+        </p:nvSpPr>
+        <p:spPr/>
+        <p:txBody>
+          <a:bodyPr/>
+          <a:lstStyle/>
+          <a:p>
+            <a:r>
+              <a:rPr lang="en-IN" dirty="0">
+                <a:hlinkClick r:id="rId3"/>
+              </a:rPr>
+              <a:t>Starting the </a:t>
+            </a:r>
+            <a:r>
+              <a:rPr lang="en-IN" dirty="0" err="1">
+                <a:hlinkClick r:id="rId3"/>
+              </a:rPr>
+              <a:t>GlassFish</a:t>
+            </a:r>
+            <a:r>
+              <a:rPr lang="en-IN" dirty="0">
+                <a:hlinkClick r:id="rId3"/>
+              </a:rPr>
+              <a:t> Server</a:t>
+            </a:r>
+            <a:endParaRPr lang="en-IN" dirty="0"/>
+          </a:p>
+          <a:p>
+            <a:r>
+              <a:rPr lang="en-IN" dirty="0">
+                <a:hlinkClick r:id="rId4"/>
+              </a:rPr>
+              <a:t>Creating a BPEL Module Project</a:t>
+            </a:r>
+            <a:endParaRPr lang="en-IN" dirty="0"/>
+          </a:p>
+          <a:p>
+            <a:r>
+              <a:rPr lang="en-IN" dirty="0">
+                <a:hlinkClick r:id="rId5"/>
+              </a:rPr>
+              <a:t>Creating a Composite Application Project</a:t>
+            </a:r>
+            <a:endParaRPr lang="en-IN" dirty="0"/>
+          </a:p>
+          <a:p>
+            <a:r>
+              <a:rPr lang="en-IN" dirty="0">
+                <a:hlinkClick r:id="rId6"/>
+              </a:rPr>
+              <a:t>Building and Deploying the Composite Application Project</a:t>
+            </a:r>
+            <a:endParaRPr lang="en-IN" dirty="0"/>
+          </a:p>
+          <a:p>
+            <a:r>
+              <a:rPr lang="en-IN" dirty="0">
+                <a:hlinkClick r:id="rId7"/>
+              </a:rPr>
+              <a:t>Testing the Composite Application</a:t>
+            </a:r>
+            <a:endParaRPr lang="en-IN" dirty="0"/>
+          </a:p>
+          <a:p>
+            <a:endParaRPr lang="en-IN" dirty="0"/>
+          </a:p>
+        </p:txBody>
+      </p:sp>
+    </p:spTree>
+    <p:extLst>
+      <p:ext uri="{BB962C8B-B14F-4D97-AF65-F5344CB8AC3E}">
+        <p14:creationId xmlns:p14="http://schemas.microsoft.com/office/powerpoint/2010/main" val="3187849492"/>
+      </p:ext>
+    </p:extLst>
+  </p:cSld>
+  <p:clrMapOvr>
+    <a:masterClrMapping/>
+  </p:clrMapOvr>
+</p:sld>
+</file>
+
+<file path=ppt/slides/slide45.xml><?xml version="1.0" encoding="utf-8"?>
+<p:sld xmlns:a="http://schemas.openxmlformats.org/drawingml/2006/main" xmlns:r="http://schemas.openxmlformats.org/officeDocument/2006/relationships" xmlns:p="http://schemas.openxmlformats.org/presentationml/2006/main">
+  <p:cSld>
+    <p:spTree>
+      <p:nvGrpSpPr>
+        <p:cNvPr id="1" name=""/>
+        <p:cNvGrpSpPr/>
+        <p:nvPr/>
+      </p:nvGrpSpPr>
+      <p:grpSpPr>
+        <a:xfrm>
+          <a:off x="0" y="0"/>
+          <a:ext cx="0" cy="0"/>
+          <a:chOff x="0" y="0"/>
+          <a:chExt cx="0" cy="0"/>
+        </a:xfrm>
+      </p:grpSpPr>
+      <p:sp>
+        <p:nvSpPr>
+          <p:cNvPr id="2" name="Title 1"/>
+          <p:cNvSpPr>
+            <a:spLocks noGrp="1"/>
+          </p:cNvSpPr>
+          <p:nvPr>
+            <p:ph type="title"/>
+          </p:nvPr>
+        </p:nvSpPr>
+        <p:spPr/>
+        <p:txBody>
+          <a:bodyPr/>
+          <a:lstStyle/>
+          <a:p>
+            <a:r>
+              <a:rPr lang="en-IN" b="1" dirty="0"/>
+              <a:t>Understanding the FTP Binding </a:t>
+            </a:r>
+            <a:endParaRPr lang="en-IN" dirty="0"/>
+          </a:p>
+        </p:txBody>
+      </p:sp>
+      <p:pic>
+        <p:nvPicPr>
+          <p:cNvPr id="3" name="Picture 2"/>
+          <p:cNvPicPr>
+            <a:picLocks noChangeAspect="1"/>
+          </p:cNvPicPr>
+          <p:nvPr/>
+        </p:nvPicPr>
+        <p:blipFill>
+          <a:blip r:embed="rId2">
+            <a:extLst>
+              <a:ext uri="{28A0092B-C50C-407E-A947-70E740481C1C}">
+                <a14:useLocalDpi xmlns:a14="http://schemas.microsoft.com/office/drawing/2010/main" val="0"/>
+              </a:ext>
+            </a:extLst>
+          </a:blip>
+          <a:stretch>
+            <a:fillRect/>
+          </a:stretch>
+        </p:blipFill>
+        <p:spPr>
+          <a:xfrm>
+            <a:off x="2244345" y="1690688"/>
+            <a:ext cx="6940597" cy="4551950"/>
+          </a:xfrm>
+          <a:prstGeom prst="rect">
+            <a:avLst/>
+          </a:prstGeom>
+        </p:spPr>
+      </p:pic>
+    </p:spTree>
+    <p:extLst>
+      <p:ext uri="{BB962C8B-B14F-4D97-AF65-F5344CB8AC3E}">
+        <p14:creationId xmlns:p14="http://schemas.microsoft.com/office/powerpoint/2010/main" val="2990357840"/>
+      </p:ext>
+    </p:extLst>
+  </p:cSld>
+  <p:clrMapOvr>
+    <a:masterClrMapping/>
+  </p:clrMapOvr>
+</p:sld>
+</file>
+
+<file path=ppt/slides/slide46.xml><?xml version="1.0" encoding="utf-8"?>
+<p:sld xmlns:a="http://schemas.openxmlformats.org/drawingml/2006/main" xmlns:r="http://schemas.openxmlformats.org/officeDocument/2006/relationships" xmlns:p="http://schemas.openxmlformats.org/presentationml/2006/main">
+  <p:cSld>
+    <p:spTree>
+      <p:nvGrpSpPr>
+        <p:cNvPr id="1" name=""/>
+        <p:cNvGrpSpPr/>
+        <p:nvPr/>
+      </p:nvGrpSpPr>
+      <p:grpSpPr>
+        <a:xfrm>
+          <a:off x="0" y="0"/>
+          <a:ext cx="0" cy="0"/>
+          <a:chOff x="0" y="0"/>
+          <a:chExt cx="0" cy="0"/>
+        </a:xfrm>
+      </p:grpSpPr>
+      <p:sp>
+        <p:nvSpPr>
+          <p:cNvPr id="2" name="Title 1"/>
+          <p:cNvSpPr>
+            <a:spLocks noGrp="1"/>
+          </p:cNvSpPr>
+          <p:nvPr>
+            <p:ph type="title"/>
+          </p:nvPr>
+        </p:nvSpPr>
+        <p:spPr/>
+        <p:txBody>
+          <a:bodyPr/>
+          <a:lstStyle/>
+          <a:p>
+            <a:r>
+              <a:rPr lang="en-IN" b="1" dirty="0"/>
+              <a:t>Understanding the FTP Binding </a:t>
+            </a:r>
+            <a:endParaRPr lang="en-IN" dirty="0"/>
+          </a:p>
+        </p:txBody>
+      </p:sp>
+      <p:pic>
+        <p:nvPicPr>
+          <p:cNvPr id="4" name="Picture 3"/>
+          <p:cNvPicPr>
+            <a:picLocks noChangeAspect="1"/>
+          </p:cNvPicPr>
+          <p:nvPr/>
+        </p:nvPicPr>
+        <p:blipFill>
+          <a:blip r:embed="rId2">
+            <a:extLst>
+              <a:ext uri="{28A0092B-C50C-407E-A947-70E740481C1C}">
+                <a14:useLocalDpi xmlns:a14="http://schemas.microsoft.com/office/drawing/2010/main" val="0"/>
+              </a:ext>
+            </a:extLst>
+          </a:blip>
+          <a:stretch>
+            <a:fillRect/>
+          </a:stretch>
+        </p:blipFill>
+        <p:spPr>
+          <a:xfrm>
+            <a:off x="4391025" y="1554281"/>
+            <a:ext cx="1704975" cy="4895850"/>
+          </a:xfrm>
+          <a:prstGeom prst="rect">
+            <a:avLst/>
+          </a:prstGeom>
+        </p:spPr>
+      </p:pic>
+    </p:spTree>
+    <p:extLst>
+      <p:ext uri="{BB962C8B-B14F-4D97-AF65-F5344CB8AC3E}">
+        <p14:creationId xmlns:p14="http://schemas.microsoft.com/office/powerpoint/2010/main" val="2384536084"/>
       </p:ext>
     </p:extLst>
   </p:cSld>
